--- a/spring/docs/06-spring-aop.pptx
+++ b/spring/docs/06-spring-aop.pptx
@@ -6,7 +6,7 @@
     <p:sldMasterId id="2147483660" r:id="rId2"/>
   </p:sldMasterIdLst>
   <p:notesMasterIdLst>
-    <p:notesMasterId r:id="rId14"/>
+    <p:notesMasterId r:id="rId16"/>
   </p:notesMasterIdLst>
   <p:sldIdLst>
     <p:sldId id="256" r:id="rId3"/>
@@ -19,7 +19,9 @@
     <p:sldId id="263" r:id="rId10"/>
     <p:sldId id="264" r:id="rId11"/>
     <p:sldId id="265" r:id="rId12"/>
-    <p:sldId id="261" r:id="rId13"/>
+    <p:sldId id="271" r:id="rId13"/>
+    <p:sldId id="272" r:id="rId14"/>
+    <p:sldId id="261" r:id="rId15"/>
   </p:sldIdLst>
   <p:sldSz cx="9144000" cy="6858000" type="screen4x3"/>
   <p:notesSz cx="6858000" cy="9144000"/>
@@ -558,7 +560,7 @@
             <a:fld id="{96901A81-0F01-4EEE-B1B8-8AAFCC661EC4}" type="slidenum">
               <a:rPr lang="zh-CN" altLang="en-US" smtClean="0"/>
               <a:pPr/>
-              <a:t>11</a:t>
+              <a:t>13</a:t>
             </a:fld>
             <a:endParaRPr lang="zh-CN" altLang="en-US"/>
           </a:p>
@@ -39714,11 +39716,7 @@
           <a:p>
             <a:r>
               <a:rPr lang="en-US" altLang="zh-CN" dirty="0" smtClean="0"/>
-              <a:t>Spring </a:t>
-            </a:r>
-            <a:r>
-              <a:rPr lang="en-US" altLang="zh-CN" dirty="0" smtClean="0"/>
-              <a:t>AOP</a:t>
+              <a:t>Spring AOP</a:t>
             </a:r>
             <a:endParaRPr lang="zh-CN" altLang="en-US" dirty="0"/>
           </a:p>
@@ -39918,6 +39916,258 @@
 </file>
 
 <file path=ppt/slides/slide11.xml><?xml version="1.0" encoding="utf-8"?>
+<p:sld xmlns:a="http://schemas.openxmlformats.org/drawingml/2006/main" xmlns:r="http://schemas.openxmlformats.org/officeDocument/2006/relationships" xmlns:p="http://schemas.openxmlformats.org/presentationml/2006/main">
+  <p:cSld>
+    <p:spTree>
+      <p:nvGrpSpPr>
+        <p:cNvPr id="1" name=""/>
+        <p:cNvGrpSpPr/>
+        <p:nvPr/>
+      </p:nvGrpSpPr>
+      <p:grpSpPr>
+        <a:xfrm>
+          <a:off x="0" y="0"/>
+          <a:ext cx="0" cy="0"/>
+          <a:chOff x="0" y="0"/>
+          <a:chExt cx="0" cy="0"/>
+        </a:xfrm>
+      </p:grpSpPr>
+      <p:sp>
+        <p:nvSpPr>
+          <p:cNvPr id="2" name="标题 1"/>
+          <p:cNvSpPr>
+            <a:spLocks noGrp="1"/>
+          </p:cNvSpPr>
+          <p:nvPr>
+            <p:ph type="title"/>
+          </p:nvPr>
+        </p:nvSpPr>
+        <p:spPr/>
+        <p:txBody>
+          <a:bodyPr>
+            <a:normAutofit fontScale="90000"/>
+          </a:bodyPr>
+          <a:lstStyle/>
+          <a:p>
+            <a:r>
+              <a:rPr lang="en-US" altLang="zh-CN" dirty="0" err="1" smtClean="0"/>
+              <a:t>JoinPoint</a:t>
+            </a:r>
+            <a:r>
+              <a:rPr lang="zh-CN" altLang="en-US" dirty="0" smtClean="0"/>
+              <a:t>接口</a:t>
+            </a:r>
+            <a:endParaRPr lang="zh-CN" altLang="en-US" dirty="0"/>
+          </a:p>
+        </p:txBody>
+      </p:sp>
+      <p:sp>
+        <p:nvSpPr>
+          <p:cNvPr id="3" name="内容占位符 2"/>
+          <p:cNvSpPr>
+            <a:spLocks noGrp="1"/>
+          </p:cNvSpPr>
+          <p:nvPr>
+            <p:ph idx="1"/>
+          </p:nvPr>
+        </p:nvSpPr>
+        <p:spPr/>
+        <p:txBody>
+          <a:bodyPr/>
+          <a:lstStyle/>
+          <a:p>
+            <a:r>
+              <a:rPr lang="zh-CN" altLang="en-US" dirty="0" smtClean="0"/>
+              <a:t>通过反射，获取连接点的状态和静态信息</a:t>
+            </a:r>
+            <a:endParaRPr lang="en-US" altLang="zh-CN" dirty="0" smtClean="0"/>
+          </a:p>
+          <a:p>
+            <a:pPr marL="0" indent="0">
+              <a:buNone/>
+            </a:pPr>
+            <a:endParaRPr lang="en-US" altLang="zh-CN" dirty="0"/>
+          </a:p>
+          <a:p>
+            <a:pPr marL="0" indent="0">
+              <a:buNone/>
+            </a:pPr>
+            <a:r>
+              <a:rPr lang="en-US" altLang="zh-CN" sz="2400" dirty="0"/>
+              <a:t>Object[] </a:t>
+            </a:r>
+            <a:r>
+              <a:rPr lang="en-US" altLang="zh-CN" sz="2400" dirty="0" err="1"/>
+              <a:t>getArgs</a:t>
+            </a:r>
+            <a:r>
+              <a:rPr lang="en-US" altLang="zh-CN" sz="2400" dirty="0"/>
+              <a:t>() </a:t>
+            </a:r>
+            <a:r>
+              <a:rPr lang="zh-CN" altLang="en-US" sz="2400" dirty="0"/>
+              <a:t>：获取连接点调用时的参数</a:t>
+            </a:r>
+          </a:p>
+          <a:p>
+            <a:pPr marL="0" indent="0">
+              <a:buNone/>
+            </a:pPr>
+            <a:r>
+              <a:rPr lang="en-US" altLang="zh-CN" sz="2400" dirty="0"/>
+              <a:t>Signature </a:t>
+            </a:r>
+            <a:r>
+              <a:rPr lang="en-US" altLang="zh-CN" sz="2400" dirty="0" err="1"/>
+              <a:t>getSignature</a:t>
+            </a:r>
+            <a:r>
+              <a:rPr lang="en-US" altLang="zh-CN" sz="2400" dirty="0"/>
+              <a:t>() </a:t>
+            </a:r>
+            <a:r>
+              <a:rPr lang="zh-CN" altLang="en-US" sz="2400" dirty="0"/>
+              <a:t>：获取调用点的方法署名</a:t>
+            </a:r>
+          </a:p>
+          <a:p>
+            <a:pPr marL="0" indent="0">
+              <a:buNone/>
+            </a:pPr>
+            <a:r>
+              <a:rPr lang="en-US" altLang="zh-CN" sz="2400" dirty="0"/>
+              <a:t>Object </a:t>
+            </a:r>
+            <a:r>
+              <a:rPr lang="en-US" altLang="zh-CN" sz="2400" dirty="0" err="1"/>
+              <a:t>getTarget</a:t>
+            </a:r>
+            <a:r>
+              <a:rPr lang="en-US" altLang="zh-CN" sz="2400" dirty="0"/>
+              <a:t>()</a:t>
+            </a:r>
+            <a:r>
+              <a:rPr lang="zh-CN" altLang="en-US" sz="2400" dirty="0"/>
+              <a:t>：获取目标对象的引用 </a:t>
+            </a:r>
+          </a:p>
+          <a:p>
+            <a:pPr marL="0" indent="0">
+              <a:buNone/>
+            </a:pPr>
+            <a:r>
+              <a:rPr lang="en-US" altLang="zh-CN" sz="2400" dirty="0"/>
+              <a:t>Object </a:t>
+            </a:r>
+            <a:r>
+              <a:rPr lang="en-US" altLang="zh-CN" sz="2400" dirty="0" err="1"/>
+              <a:t>getThis</a:t>
+            </a:r>
+            <a:r>
+              <a:rPr lang="en-US" altLang="zh-CN" sz="2400" dirty="0"/>
+              <a:t>()</a:t>
+            </a:r>
+            <a:r>
+              <a:rPr lang="zh-CN" altLang="en-US" sz="2400" dirty="0"/>
+              <a:t>：获取当前执行对象</a:t>
+            </a:r>
+          </a:p>
+          <a:p>
+            <a:pPr marL="0" indent="0">
+              <a:buNone/>
+            </a:pPr>
+            <a:endParaRPr lang="zh-CN" altLang="en-US" dirty="0"/>
+          </a:p>
+        </p:txBody>
+      </p:sp>
+    </p:spTree>
+    <p:extLst>
+      <p:ext uri="{BB962C8B-B14F-4D97-AF65-F5344CB8AC3E}">
+        <p14:creationId xmlns:p14="http://schemas.microsoft.com/office/powerpoint/2010/main" val="252283551"/>
+      </p:ext>
+    </p:extLst>
+  </p:cSld>
+  <p:clrMapOvr>
+    <a:masterClrMapping/>
+  </p:clrMapOvr>
+</p:sld>
+</file>
+
+<file path=ppt/slides/slide12.xml><?xml version="1.0" encoding="utf-8"?>
+<p:sld xmlns:a="http://schemas.openxmlformats.org/drawingml/2006/main" xmlns:r="http://schemas.openxmlformats.org/officeDocument/2006/relationships" xmlns:p="http://schemas.openxmlformats.org/presentationml/2006/main">
+  <p:cSld>
+    <p:spTree>
+      <p:nvGrpSpPr>
+        <p:cNvPr id="1" name=""/>
+        <p:cNvGrpSpPr/>
+        <p:nvPr/>
+      </p:nvGrpSpPr>
+      <p:grpSpPr>
+        <a:xfrm>
+          <a:off x="0" y="0"/>
+          <a:ext cx="0" cy="0"/>
+          <a:chOff x="0" y="0"/>
+          <a:chExt cx="0" cy="0"/>
+        </a:xfrm>
+      </p:grpSpPr>
+      <p:sp>
+        <p:nvSpPr>
+          <p:cNvPr id="2" name="标题 1"/>
+          <p:cNvSpPr>
+            <a:spLocks noGrp="1"/>
+          </p:cNvSpPr>
+          <p:nvPr>
+            <p:ph type="title"/>
+          </p:nvPr>
+        </p:nvSpPr>
+        <p:spPr/>
+        <p:txBody>
+          <a:bodyPr>
+            <a:normAutofit fontScale="90000"/>
+          </a:bodyPr>
+          <a:lstStyle/>
+          <a:p>
+            <a:r>
+              <a:rPr lang="zh-CN" altLang="en-US" dirty="0" smtClean="0"/>
+              <a:t>示例</a:t>
+            </a:r>
+            <a:endParaRPr lang="zh-CN" altLang="en-US" dirty="0"/>
+          </a:p>
+        </p:txBody>
+      </p:sp>
+      <p:sp>
+        <p:nvSpPr>
+          <p:cNvPr id="3" name="内容占位符 2"/>
+          <p:cNvSpPr>
+            <a:spLocks noGrp="1"/>
+          </p:cNvSpPr>
+          <p:nvPr>
+            <p:ph idx="1"/>
+          </p:nvPr>
+        </p:nvSpPr>
+        <p:spPr/>
+        <p:txBody>
+          <a:bodyPr/>
+          <a:lstStyle/>
+          <a:p>
+            <a:endParaRPr lang="zh-CN" altLang="en-US"/>
+          </a:p>
+        </p:txBody>
+      </p:sp>
+    </p:spTree>
+    <p:extLst>
+      <p:ext uri="{BB962C8B-B14F-4D97-AF65-F5344CB8AC3E}">
+        <p14:creationId xmlns:p14="http://schemas.microsoft.com/office/powerpoint/2010/main" val="4029502634"/>
+      </p:ext>
+    </p:extLst>
+  </p:cSld>
+  <p:clrMapOvr>
+    <a:masterClrMapping/>
+  </p:clrMapOvr>
+</p:sld>
+</file>
+
+<file path=ppt/slides/slide13.xml><?xml version="1.0" encoding="utf-8"?>
 <p:sld xmlns:a="http://schemas.openxmlformats.org/drawingml/2006/main" xmlns:r="http://schemas.openxmlformats.org/officeDocument/2006/relationships" xmlns:p="http://schemas.openxmlformats.org/presentationml/2006/main">
   <p:cSld>
     <p:spTree>
